--- a/E-Genetics/presentations/Genetics Paper.pptx
+++ b/E-Genetics/presentations/Genetics Paper.pptx
@@ -6867,7 +6867,109 @@
               <a:rPr b="0" lang="en-US" sz="4400" spc="-1" strike="noStrike">
                 <a:latin typeface="Arial"/>
               </a:rPr>
-              <a:t>Click to edit the title text format</a:t>
+              <a:t>C</a:t>
+            </a:r>
+            <a:r>
+              <a:rPr b="0" lang="en-US" sz="4400" spc="-1" strike="noStrike">
+                <a:latin typeface="Arial"/>
+              </a:rPr>
+              <a:t>li</a:t>
+            </a:r>
+            <a:r>
+              <a:rPr b="0" lang="en-US" sz="4400" spc="-1" strike="noStrike">
+                <a:latin typeface="Arial"/>
+              </a:rPr>
+              <a:t>c</a:t>
+            </a:r>
+            <a:r>
+              <a:rPr b="0" lang="en-US" sz="4400" spc="-1" strike="noStrike">
+                <a:latin typeface="Arial"/>
+              </a:rPr>
+              <a:t>k </a:t>
+            </a:r>
+            <a:r>
+              <a:rPr b="0" lang="en-US" sz="4400" spc="-1" strike="noStrike">
+                <a:latin typeface="Arial"/>
+              </a:rPr>
+              <a:t>to </a:t>
+            </a:r>
+            <a:r>
+              <a:rPr b="0" lang="en-US" sz="4400" spc="-1" strike="noStrike">
+                <a:latin typeface="Arial"/>
+              </a:rPr>
+              <a:t>e</a:t>
+            </a:r>
+            <a:r>
+              <a:rPr b="0" lang="en-US" sz="4400" spc="-1" strike="noStrike">
+                <a:latin typeface="Arial"/>
+              </a:rPr>
+              <a:t>di</a:t>
+            </a:r>
+            <a:r>
+              <a:rPr b="0" lang="en-US" sz="4400" spc="-1" strike="noStrike">
+                <a:latin typeface="Arial"/>
+              </a:rPr>
+              <a:t>t </a:t>
+            </a:r>
+            <a:r>
+              <a:rPr b="0" lang="en-US" sz="4400" spc="-1" strike="noStrike">
+                <a:latin typeface="Arial"/>
+              </a:rPr>
+              <a:t>th</a:t>
+            </a:r>
+            <a:r>
+              <a:rPr b="0" lang="en-US" sz="4400" spc="-1" strike="noStrike">
+                <a:latin typeface="Arial"/>
+              </a:rPr>
+              <a:t>e </a:t>
+            </a:r>
+            <a:r>
+              <a:rPr b="0" lang="en-US" sz="4400" spc="-1" strike="noStrike">
+                <a:latin typeface="Arial"/>
+              </a:rPr>
+              <a:t>tit</a:t>
+            </a:r>
+            <a:r>
+              <a:rPr b="0" lang="en-US" sz="4400" spc="-1" strike="noStrike">
+                <a:latin typeface="Arial"/>
+              </a:rPr>
+              <a:t>le </a:t>
+            </a:r>
+            <a:r>
+              <a:rPr b="0" lang="en-US" sz="4400" spc="-1" strike="noStrike">
+                <a:latin typeface="Arial"/>
+              </a:rPr>
+              <a:t>te</a:t>
+            </a:r>
+            <a:r>
+              <a:rPr b="0" lang="en-US" sz="4400" spc="-1" strike="noStrike">
+                <a:latin typeface="Arial"/>
+              </a:rPr>
+              <a:t>xt </a:t>
+            </a:r>
+            <a:r>
+              <a:rPr b="0" lang="en-US" sz="4400" spc="-1" strike="noStrike">
+                <a:latin typeface="Arial"/>
+              </a:rPr>
+              <a:t>fo</a:t>
+            </a:r>
+            <a:r>
+              <a:rPr b="0" lang="en-US" sz="4400" spc="-1" strike="noStrike">
+                <a:latin typeface="Arial"/>
+              </a:rPr>
+              <a:t>r</a:t>
+            </a:r>
+            <a:r>
+              <a:rPr b="0" lang="en-US" sz="4400" spc="-1" strike="noStrike">
+                <a:latin typeface="Arial"/>
+              </a:rPr>
+              <a:t>m</a:t>
+            </a:r>
+            <a:r>
+              <a:rPr b="0" lang="en-US" sz="4400" spc="-1" strike="noStrike">
+                <a:latin typeface="Arial"/>
+              </a:rPr>
+              <a:t>at</a:t>
             </a:r>
             <a:endParaRPr b="0" lang="en-US" sz="4400" spc="-1" strike="noStrike">
               <a:latin typeface="Arial"/>
@@ -7130,49 +7232,13 @@
               <a:rPr b="0" lang="en-US" sz="4400" spc="-1" strike="noStrike">
                 <a:latin typeface="Arial"/>
               </a:rPr>
-              <a:t>Clic</a:t>
+              <a:t>Click to edit the </a:t>
             </a:r>
             <a:r>
               <a:rPr b="0" lang="en-US" sz="4400" spc="-1" strike="noStrike">
                 <a:latin typeface="Arial"/>
               </a:rPr>
-              <a:t>k to </a:t>
-            </a:r>
-            <a:r>
-              <a:rPr b="0" lang="en-US" sz="4400" spc="-1" strike="noStrike">
-                <a:latin typeface="Arial"/>
-              </a:rPr>
-              <a:t>edit </a:t>
-            </a:r>
-            <a:r>
-              <a:rPr b="0" lang="en-US" sz="4400" spc="-1" strike="noStrike">
-                <a:latin typeface="Arial"/>
-              </a:rPr>
-              <a:t>the </a:t>
-            </a:r>
-            <a:r>
-              <a:rPr b="0" lang="en-US" sz="4400" spc="-1" strike="noStrike">
-                <a:latin typeface="Arial"/>
-              </a:rPr>
-              <a:t>title </a:t>
-            </a:r>
-            <a:r>
-              <a:rPr b="0" lang="en-US" sz="4400" spc="-1" strike="noStrike">
-                <a:latin typeface="Arial"/>
-              </a:rPr>
-              <a:t>text </a:t>
-            </a:r>
-            <a:r>
-              <a:rPr b="0" lang="en-US" sz="4400" spc="-1" strike="noStrike">
-                <a:latin typeface="Arial"/>
-              </a:rPr>
-              <a:t>for</a:t>
-            </a:r>
-            <a:r>
-              <a:rPr b="0" lang="en-US" sz="4400" spc="-1" strike="noStrike">
-                <a:latin typeface="Arial"/>
-              </a:rPr>
-              <a:t>mat</a:t>
+              <a:t>title text format</a:t>
             </a:r>
             <a:endParaRPr b="0" lang="en-US" sz="4400" spc="-1" strike="noStrike">
               <a:latin typeface="Arial"/>
@@ -7435,49 +7501,13 @@
               <a:rPr b="0" lang="en-US" sz="4400" spc="-1" strike="noStrike">
                 <a:latin typeface="Arial"/>
               </a:rPr>
-              <a:t>Clic</a:t>
+              <a:t>Click to edit the </a:t>
             </a:r>
             <a:r>
               <a:rPr b="0" lang="en-US" sz="4400" spc="-1" strike="noStrike">
                 <a:latin typeface="Arial"/>
               </a:rPr>
-              <a:t>k to </a:t>
-            </a:r>
-            <a:r>
-              <a:rPr b="0" lang="en-US" sz="4400" spc="-1" strike="noStrike">
-                <a:latin typeface="Arial"/>
-              </a:rPr>
-              <a:t>edit </a:t>
-            </a:r>
-            <a:r>
-              <a:rPr b="0" lang="en-US" sz="4400" spc="-1" strike="noStrike">
-                <a:latin typeface="Arial"/>
-              </a:rPr>
-              <a:t>the </a:t>
-            </a:r>
-            <a:r>
-              <a:rPr b="0" lang="en-US" sz="4400" spc="-1" strike="noStrike">
-                <a:latin typeface="Arial"/>
-              </a:rPr>
-              <a:t>title </a:t>
-            </a:r>
-            <a:r>
-              <a:rPr b="0" lang="en-US" sz="4400" spc="-1" strike="noStrike">
-                <a:latin typeface="Arial"/>
-              </a:rPr>
-              <a:t>text </a:t>
-            </a:r>
-            <a:r>
-              <a:rPr b="0" lang="en-US" sz="4400" spc="-1" strike="noStrike">
-                <a:latin typeface="Arial"/>
-              </a:rPr>
-              <a:t>for</a:t>
-            </a:r>
-            <a:r>
-              <a:rPr b="0" lang="en-US" sz="4400" spc="-1" strike="noStrike">
-                <a:latin typeface="Arial"/>
-              </a:rPr>
-              <a:t>mat</a:t>
+              <a:t>title text format</a:t>
             </a:r>
             <a:endParaRPr b="0" lang="en-US" sz="4400" spc="-1" strike="noStrike">
               <a:latin typeface="Arial"/>
@@ -7740,49 +7770,13 @@
               <a:rPr b="0" lang="en-US" sz="4400" spc="-1" strike="noStrike">
                 <a:latin typeface="Arial"/>
               </a:rPr>
-              <a:t>Clic</a:t>
+              <a:t>Click to edit the </a:t>
             </a:r>
             <a:r>
               <a:rPr b="0" lang="en-US" sz="4400" spc="-1" strike="noStrike">
                 <a:latin typeface="Arial"/>
               </a:rPr>
-              <a:t>k to </a:t>
-            </a:r>
-            <a:r>
-              <a:rPr b="0" lang="en-US" sz="4400" spc="-1" strike="noStrike">
-                <a:latin typeface="Arial"/>
-              </a:rPr>
-              <a:t>edit </a:t>
-            </a:r>
-            <a:r>
-              <a:rPr b="0" lang="en-US" sz="4400" spc="-1" strike="noStrike">
-                <a:latin typeface="Arial"/>
-              </a:rPr>
-              <a:t>the </a:t>
-            </a:r>
-            <a:r>
-              <a:rPr b="0" lang="en-US" sz="4400" spc="-1" strike="noStrike">
-                <a:latin typeface="Arial"/>
-              </a:rPr>
-              <a:t>title </a:t>
-            </a:r>
-            <a:r>
-              <a:rPr b="0" lang="en-US" sz="4400" spc="-1" strike="noStrike">
-                <a:latin typeface="Arial"/>
-              </a:rPr>
-              <a:t>text </a:t>
-            </a:r>
-            <a:r>
-              <a:rPr b="0" lang="en-US" sz="4400" spc="-1" strike="noStrike">
-                <a:latin typeface="Arial"/>
-              </a:rPr>
-              <a:t>for</a:t>
-            </a:r>
-            <a:r>
-              <a:rPr b="0" lang="en-US" sz="4400" spc="-1" strike="noStrike">
-                <a:latin typeface="Arial"/>
-              </a:rPr>
-              <a:t>mat</a:t>
+              <a:t>title text format</a:t>
             </a:r>
             <a:endParaRPr b="0" lang="en-US" sz="4400" spc="-1" strike="noStrike">
               <a:latin typeface="Arial"/>
@@ -8045,7 +8039,49 @@
               <a:rPr b="0" lang="en-US" sz="4400" spc="-1" strike="noStrike">
                 <a:latin typeface="Arial"/>
               </a:rPr>
-              <a:t>Click to edit the title text format</a:t>
+              <a:t>Clic</a:t>
+            </a:r>
+            <a:r>
+              <a:rPr b="0" lang="en-US" sz="4400" spc="-1" strike="noStrike">
+                <a:latin typeface="Arial"/>
+              </a:rPr>
+              <a:t>k to </a:t>
+            </a:r>
+            <a:r>
+              <a:rPr b="0" lang="en-US" sz="4400" spc="-1" strike="noStrike">
+                <a:latin typeface="Arial"/>
+              </a:rPr>
+              <a:t>edit </a:t>
+            </a:r>
+            <a:r>
+              <a:rPr b="0" lang="en-US" sz="4400" spc="-1" strike="noStrike">
+                <a:latin typeface="Arial"/>
+              </a:rPr>
+              <a:t>the </a:t>
+            </a:r>
+            <a:r>
+              <a:rPr b="0" lang="en-US" sz="4400" spc="-1" strike="noStrike">
+                <a:latin typeface="Arial"/>
+              </a:rPr>
+              <a:t>title </a:t>
+            </a:r>
+            <a:r>
+              <a:rPr b="0" lang="en-US" sz="4400" spc="-1" strike="noStrike">
+                <a:latin typeface="Arial"/>
+              </a:rPr>
+              <a:t>text </a:t>
+            </a:r>
+            <a:r>
+              <a:rPr b="0" lang="en-US" sz="4400" spc="-1" strike="noStrike">
+                <a:latin typeface="Arial"/>
+              </a:rPr>
+              <a:t>for</a:t>
+            </a:r>
+            <a:r>
+              <a:rPr b="0" lang="en-US" sz="4400" spc="-1" strike="noStrike">
+                <a:latin typeface="Arial"/>
+              </a:rPr>
+              <a:t>mat</a:t>
             </a:r>
             <a:endParaRPr b="0" lang="en-US" sz="4400" spc="-1" strike="noStrike">
               <a:latin typeface="Arial"/>
@@ -8288,7 +8324,7 @@
         <p:spPr>
           <a:xfrm>
             <a:off x="119160" y="400320"/>
-            <a:ext cx="5092200" cy="1865520"/>
+            <a:ext cx="5091840" cy="1865160"/>
           </a:xfrm>
           <a:prstGeom prst="rect">
             <a:avLst/>
@@ -8359,7 +8395,7 @@
         <p:spPr>
           <a:xfrm>
             <a:off x="92160" y="4006800"/>
-            <a:ext cx="3381840" cy="1021680"/>
+            <a:ext cx="3381480" cy="1021320"/>
           </a:xfrm>
           <a:prstGeom prst="rect">
             <a:avLst/>
@@ -8499,8 +8535,8 @@
         </p:blipFill>
         <p:spPr>
           <a:xfrm>
-            <a:off x="4697280" y="444960"/>
-            <a:ext cx="4194000" cy="4316400"/>
+            <a:off x="4805280" y="444960"/>
+            <a:ext cx="4193640" cy="4316040"/>
           </a:xfrm>
           <a:prstGeom prst="rect">
             <a:avLst/>
@@ -8519,7 +8555,7 @@
         <p:spPr>
           <a:xfrm>
             <a:off x="91440" y="3108960"/>
-            <a:ext cx="4021560" cy="832680"/>
+            <a:ext cx="4021200" cy="832320"/>
           </a:xfrm>
           <a:prstGeom prst="rect">
             <a:avLst/>
@@ -8627,14 +8663,14 @@
       </p:grpSpPr>
       <p:sp>
         <p:nvSpPr>
-          <p:cNvPr id="234" name="CustomShape 1"/>
+          <p:cNvPr id="236" name="CustomShape 1"/>
           <p:cNvSpPr/>
           <p:nvPr/>
         </p:nvSpPr>
         <p:spPr>
           <a:xfrm>
             <a:off x="232920" y="337320"/>
-            <a:ext cx="8226720" cy="856080"/>
+            <a:ext cx="8226360" cy="855720"/>
           </a:xfrm>
           <a:prstGeom prst="rect">
             <a:avLst/>
@@ -8679,14 +8715,14 @@
       </p:sp>
       <p:sp>
         <p:nvSpPr>
-          <p:cNvPr id="235" name="CustomShape 2"/>
+          <p:cNvPr id="237" name="CustomShape 2"/>
           <p:cNvSpPr/>
           <p:nvPr/>
         </p:nvSpPr>
         <p:spPr>
           <a:xfrm>
             <a:off x="232920" y="833760"/>
-            <a:ext cx="5160240" cy="2364840"/>
+            <a:ext cx="5159880" cy="2549520"/>
           </a:xfrm>
           <a:prstGeom prst="rect">
             <a:avLst/>
@@ -8734,18 +8770,19 @@
       </p:sp>
       <p:pic>
         <p:nvPicPr>
-          <p:cNvPr id="236" name="Picture 5" descr=""/>
+          <p:cNvPr id="238" name="Picture 5" descr=""/>
           <p:cNvPicPr/>
           <p:nvPr/>
         </p:nvPicPr>
         <p:blipFill>
           <a:blip r:embed="rId1"/>
+          <a:srcRect l="0" t="0" r="0" b="3427"/>
           <a:stretch/>
         </p:blipFill>
         <p:spPr>
           <a:xfrm>
             <a:off x="5605560" y="718200"/>
-            <a:ext cx="3303000" cy="4085280"/>
+            <a:ext cx="3302640" cy="3944880"/>
           </a:xfrm>
           <a:prstGeom prst="rect">
             <a:avLst/>
@@ -8757,14 +8794,14 @@
       </p:pic>
       <p:sp>
         <p:nvSpPr>
-          <p:cNvPr id="237" name="CustomShape 3"/>
+          <p:cNvPr id="239" name="CustomShape 3"/>
           <p:cNvSpPr/>
           <p:nvPr/>
         </p:nvSpPr>
         <p:spPr>
           <a:xfrm>
             <a:off x="74520" y="4622760"/>
-            <a:ext cx="711360" cy="363960"/>
+            <a:ext cx="711000" cy="363960"/>
           </a:xfrm>
           <a:prstGeom prst="rect">
             <a:avLst/>
@@ -8833,14 +8870,14 @@
       </p:grpSpPr>
       <p:sp>
         <p:nvSpPr>
-          <p:cNvPr id="238" name="CustomShape 1"/>
+          <p:cNvPr id="240" name="CustomShape 1"/>
           <p:cNvSpPr/>
           <p:nvPr/>
         </p:nvSpPr>
         <p:spPr>
           <a:xfrm>
             <a:off x="232920" y="337320"/>
-            <a:ext cx="8226720" cy="856080"/>
+            <a:ext cx="8226360" cy="855720"/>
           </a:xfrm>
           <a:prstGeom prst="rect">
             <a:avLst/>
@@ -8885,14 +8922,14 @@
       </p:sp>
       <p:sp>
         <p:nvSpPr>
-          <p:cNvPr id="239" name="CustomShape 2"/>
+          <p:cNvPr id="241" name="CustomShape 2"/>
           <p:cNvSpPr/>
           <p:nvPr/>
         </p:nvSpPr>
         <p:spPr>
           <a:xfrm>
             <a:off x="196920" y="905760"/>
-            <a:ext cx="4191840" cy="3663000"/>
+            <a:ext cx="4191480" cy="3662640"/>
           </a:xfrm>
           <a:prstGeom prst="rect">
             <a:avLst/>
@@ -8933,9 +8970,6 @@
               <a:t>The second dataset we are using contains 40 rs numbers for over 2000 different people.</a:t>
             </a:r>
             <a:endParaRPr b="0" lang="en-US" sz="1800" spc="-1" strike="noStrike">
-              <a:solidFill>
-                <a:srgbClr val="ffffff"/>
-              </a:solidFill>
               <a:latin typeface="Arial"/>
             </a:endParaRPr>
           </a:p>
@@ -8946,9 +8980,6 @@
               </a:lnSpc>
             </a:pPr>
             <a:endParaRPr b="0" lang="en-US" sz="1800" spc="-1" strike="noStrike">
-              <a:solidFill>
-                <a:srgbClr val="ffffff"/>
-              </a:solidFill>
               <a:latin typeface="Arial"/>
             </a:endParaRPr>
           </a:p>
@@ -8969,9 +9000,6 @@
               <a:t>The use of this dataset is to find out the highest probability that we can acquire from those people when comparing each one of those alleles to the father.</a:t>
             </a:r>
             <a:endParaRPr b="0" lang="en-US" sz="1800" spc="-1" strike="noStrike">
-              <a:solidFill>
-                <a:srgbClr val="ffffff"/>
-              </a:solidFill>
               <a:latin typeface="Arial"/>
             </a:endParaRPr>
           </a:p>
@@ -8982,9 +9010,6 @@
               </a:lnSpc>
             </a:pPr>
             <a:endParaRPr b="0" lang="en-US" sz="1800" spc="-1" strike="noStrike">
-              <a:solidFill>
-                <a:srgbClr val="ffffff"/>
-              </a:solidFill>
               <a:latin typeface="Arial"/>
             </a:endParaRPr>
           </a:p>
@@ -9005,24 +9030,21 @@
               <a:t>The highest probability = Highest similarity that the targeted child is indeed related to this father or family.</a:t>
             </a:r>
             <a:endParaRPr b="0" lang="en-US" sz="1800" spc="-1" strike="noStrike">
-              <a:solidFill>
-                <a:srgbClr val="ffffff"/>
-              </a:solidFill>
-              <a:latin typeface="Arial"/>
-            </a:endParaRPr>
-          </a:p>
-        </p:txBody>
-      </p:sp>
-      <p:sp>
-        <p:nvSpPr>
-          <p:cNvPr id="240" name="CustomShape 3"/>
+              <a:latin typeface="Arial"/>
+            </a:endParaRPr>
+          </a:p>
+        </p:txBody>
+      </p:sp>
+      <p:sp>
+        <p:nvSpPr>
+          <p:cNvPr id="242" name="CustomShape 3"/>
           <p:cNvSpPr/>
           <p:nvPr/>
         </p:nvSpPr>
         <p:spPr>
           <a:xfrm>
             <a:off x="74520" y="4622760"/>
-            <a:ext cx="711360" cy="363960"/>
+            <a:ext cx="711000" cy="363960"/>
           </a:xfrm>
           <a:prstGeom prst="rect">
             <a:avLst/>
@@ -9066,7 +9088,7 @@
       </p:sp>
       <p:pic>
         <p:nvPicPr>
-          <p:cNvPr id="241" name="" descr=""/>
+          <p:cNvPr id="243" name="" descr=""/>
           <p:cNvPicPr/>
           <p:nvPr/>
         </p:nvPicPr>
@@ -9077,7 +9099,7 @@
         <p:spPr>
           <a:xfrm>
             <a:off x="4389120" y="941760"/>
-            <a:ext cx="4735080" cy="3463560"/>
+            <a:ext cx="4734720" cy="3463200"/>
           </a:xfrm>
           <a:prstGeom prst="rect">
             <a:avLst/>
@@ -9114,14 +9136,14 @@
       </p:grpSpPr>
       <p:sp>
         <p:nvSpPr>
-          <p:cNvPr id="242" name="CustomShape 1"/>
+          <p:cNvPr id="244" name="CustomShape 1"/>
           <p:cNvSpPr/>
           <p:nvPr/>
         </p:nvSpPr>
         <p:spPr>
           <a:xfrm>
             <a:off x="478800" y="304200"/>
-            <a:ext cx="4090680" cy="633240"/>
+            <a:ext cx="4090320" cy="632880"/>
           </a:xfrm>
           <a:prstGeom prst="rect">
             <a:avLst/>
@@ -9140,14 +9162,14 @@
       </p:sp>
       <p:sp>
         <p:nvSpPr>
-          <p:cNvPr id="243" name="CustomShape 2"/>
+          <p:cNvPr id="245" name="CustomShape 2"/>
           <p:cNvSpPr/>
           <p:nvPr/>
         </p:nvSpPr>
         <p:spPr>
           <a:xfrm>
             <a:off x="365760" y="245880"/>
-            <a:ext cx="4569480" cy="577080"/>
+            <a:ext cx="4569120" cy="577080"/>
           </a:xfrm>
           <a:prstGeom prst="rect">
             <a:avLst/>
@@ -9191,7 +9213,7 @@
       </p:sp>
       <p:sp>
         <p:nvSpPr>
-          <p:cNvPr id="244" name="CustomShape 3"/>
+          <p:cNvPr id="246" name="CustomShape 3"/>
           <p:cNvSpPr/>
           <p:nvPr/>
         </p:nvSpPr>
@@ -9248,7 +9270,7 @@
       </p:sp>
       <p:sp>
         <p:nvSpPr>
-          <p:cNvPr id="245" name="CustomShape 4"/>
+          <p:cNvPr id="247" name="CustomShape 4"/>
           <p:cNvSpPr/>
           <p:nvPr/>
         </p:nvSpPr>
@@ -9295,14 +9317,14 @@
       </p:sp>
       <p:sp>
         <p:nvSpPr>
-          <p:cNvPr id="246" name="CustomShape 5"/>
+          <p:cNvPr id="248" name="CustomShape 5"/>
           <p:cNvSpPr/>
           <p:nvPr/>
         </p:nvSpPr>
         <p:spPr>
           <a:xfrm>
             <a:off x="74520" y="4622760"/>
-            <a:ext cx="711360" cy="363960"/>
+            <a:ext cx="711000" cy="363960"/>
           </a:xfrm>
           <a:prstGeom prst="rect">
             <a:avLst/>
@@ -9346,14 +9368,14 @@
       </p:sp>
       <p:sp>
         <p:nvSpPr>
-          <p:cNvPr id="247" name="CustomShape 6"/>
+          <p:cNvPr id="249" name="CustomShape 6"/>
           <p:cNvSpPr/>
           <p:nvPr/>
         </p:nvSpPr>
         <p:spPr>
           <a:xfrm>
             <a:off x="274320" y="877320"/>
-            <a:ext cx="8320680" cy="3602880"/>
+            <a:ext cx="8320320" cy="3602520"/>
           </a:xfrm>
           <a:prstGeom prst="rect">
             <a:avLst/>
@@ -9398,7 +9420,7 @@
             </a:endParaRPr>
           </a:p>
           <a:p>
-            <a:pPr marL="457200" indent="-295200">
+            <a:pPr marL="457200" indent="-294840">
               <a:lnSpc>
                 <a:spcPct val="100000"/>
               </a:lnSpc>
@@ -9423,7 +9445,7 @@
             </a:endParaRPr>
           </a:p>
           <a:p>
-            <a:pPr marL="457200" indent="-295200">
+            <a:pPr marL="457200" indent="-294840">
               <a:lnSpc>
                 <a:spcPct val="100000"/>
               </a:lnSpc>
@@ -9448,7 +9470,7 @@
             </a:endParaRPr>
           </a:p>
           <a:p>
-            <a:pPr marL="457200" indent="-295200">
+            <a:pPr marL="457200" indent="-294840">
               <a:lnSpc>
                 <a:spcPct val="100000"/>
               </a:lnSpc>
@@ -9483,7 +9505,7 @@
             </a:endParaRPr>
           </a:p>
           <a:p>
-            <a:pPr marL="457200" indent="-295200">
+            <a:pPr marL="457200" indent="-294840">
               <a:lnSpc>
                 <a:spcPct val="100000"/>
               </a:lnSpc>
@@ -9555,14 +9577,14 @@
       </p:grpSpPr>
       <p:sp>
         <p:nvSpPr>
-          <p:cNvPr id="248" name="CustomShape 1"/>
+          <p:cNvPr id="250" name="CustomShape 1"/>
           <p:cNvSpPr/>
           <p:nvPr/>
         </p:nvSpPr>
         <p:spPr>
           <a:xfrm>
             <a:off x="434880" y="6480"/>
-            <a:ext cx="4569480" cy="577080"/>
+            <a:ext cx="4569120" cy="577080"/>
           </a:xfrm>
           <a:prstGeom prst="rect">
             <a:avLst/>
@@ -9609,14 +9631,14 @@
       </p:sp>
       <p:sp>
         <p:nvSpPr>
-          <p:cNvPr id="249" name="CustomShape 2"/>
+          <p:cNvPr id="251" name="CustomShape 2"/>
           <p:cNvSpPr/>
           <p:nvPr/>
         </p:nvSpPr>
         <p:spPr>
           <a:xfrm>
             <a:off x="5527080" y="4116600"/>
-            <a:ext cx="2474640" cy="363960"/>
+            <a:ext cx="2474280" cy="363960"/>
           </a:xfrm>
           <a:prstGeom prst="rect">
             <a:avLst/>
@@ -9660,14 +9682,14 @@
       </p:sp>
       <p:sp>
         <p:nvSpPr>
-          <p:cNvPr id="250" name="CustomShape 3"/>
+          <p:cNvPr id="252" name="CustomShape 3"/>
           <p:cNvSpPr/>
           <p:nvPr/>
         </p:nvSpPr>
         <p:spPr>
           <a:xfrm>
             <a:off x="74520" y="4622760"/>
-            <a:ext cx="711360" cy="363960"/>
+            <a:ext cx="711000" cy="363960"/>
           </a:xfrm>
           <a:prstGeom prst="rect">
             <a:avLst/>
@@ -9711,7 +9733,7 @@
       </p:sp>
       <p:pic>
         <p:nvPicPr>
-          <p:cNvPr id="251" name="" descr=""/>
+          <p:cNvPr id="253" name="" descr=""/>
           <p:cNvPicPr/>
           <p:nvPr/>
         </p:nvPicPr>
@@ -9722,7 +9744,7 @@
         <p:spPr>
           <a:xfrm>
             <a:off x="4572000" y="914400"/>
-            <a:ext cx="4519080" cy="3200040"/>
+            <a:ext cx="4518720" cy="3199680"/>
           </a:xfrm>
           <a:prstGeom prst="rect">
             <a:avLst/>
@@ -9734,14 +9756,14 @@
       </p:pic>
       <p:sp>
         <p:nvSpPr>
-          <p:cNvPr id="252" name="CustomShape 4"/>
+          <p:cNvPr id="254" name="CustomShape 4"/>
           <p:cNvSpPr/>
           <p:nvPr/>
         </p:nvSpPr>
         <p:spPr>
           <a:xfrm>
             <a:off x="195120" y="619560"/>
-            <a:ext cx="4376520" cy="4079520"/>
+            <a:ext cx="4376160" cy="4079160"/>
           </a:xfrm>
           <a:prstGeom prst="rect">
             <a:avLst/>
@@ -9874,14 +9896,14 @@
       </p:grpSpPr>
       <p:sp>
         <p:nvSpPr>
-          <p:cNvPr id="253" name="CustomShape 1"/>
+          <p:cNvPr id="255" name="CustomShape 1"/>
           <p:cNvSpPr/>
           <p:nvPr/>
         </p:nvSpPr>
         <p:spPr>
           <a:xfrm>
             <a:off x="434880" y="6480"/>
-            <a:ext cx="4569480" cy="577080"/>
+            <a:ext cx="4569120" cy="577080"/>
           </a:xfrm>
           <a:prstGeom prst="rect">
             <a:avLst/>
@@ -9928,14 +9950,14 @@
       </p:sp>
       <p:sp>
         <p:nvSpPr>
-          <p:cNvPr id="254" name="CustomShape 2"/>
+          <p:cNvPr id="256" name="CustomShape 2"/>
           <p:cNvSpPr/>
           <p:nvPr/>
         </p:nvSpPr>
         <p:spPr>
           <a:xfrm>
             <a:off x="5383080" y="3684600"/>
-            <a:ext cx="2474640" cy="363960"/>
+            <a:ext cx="2474280" cy="363960"/>
           </a:xfrm>
           <a:prstGeom prst="rect">
             <a:avLst/>
@@ -9979,14 +10001,14 @@
       </p:sp>
       <p:sp>
         <p:nvSpPr>
-          <p:cNvPr id="255" name="CustomShape 3"/>
+          <p:cNvPr id="257" name="CustomShape 3"/>
           <p:cNvSpPr/>
           <p:nvPr/>
         </p:nvSpPr>
         <p:spPr>
           <a:xfrm>
             <a:off x="74520" y="4622760"/>
-            <a:ext cx="711360" cy="363960"/>
+            <a:ext cx="711000" cy="363960"/>
           </a:xfrm>
           <a:prstGeom prst="rect">
             <a:avLst/>
@@ -10030,14 +10052,14 @@
       </p:sp>
       <p:sp>
         <p:nvSpPr>
-          <p:cNvPr id="256" name="CustomShape 4"/>
+          <p:cNvPr id="258" name="CustomShape 4"/>
           <p:cNvSpPr/>
           <p:nvPr/>
         </p:nvSpPr>
         <p:spPr>
           <a:xfrm>
             <a:off x="123120" y="547560"/>
-            <a:ext cx="3863880" cy="4134960"/>
+            <a:ext cx="3863520" cy="4134600"/>
           </a:xfrm>
           <a:prstGeom prst="rect">
             <a:avLst/>
@@ -10145,7 +10167,7 @@
       </p:sp>
       <p:pic>
         <p:nvPicPr>
-          <p:cNvPr id="257" name="" descr=""/>
+          <p:cNvPr id="259" name="" descr=""/>
           <p:cNvPicPr/>
           <p:nvPr/>
         </p:nvPicPr>
@@ -10156,7 +10178,7 @@
         <p:spPr>
           <a:xfrm>
             <a:off x="4059360" y="1044720"/>
-            <a:ext cx="5028840" cy="2595960"/>
+            <a:ext cx="5028480" cy="2595600"/>
           </a:xfrm>
           <a:prstGeom prst="rect">
             <a:avLst/>
@@ -10193,14 +10215,14 @@
       </p:grpSpPr>
       <p:sp>
         <p:nvSpPr>
-          <p:cNvPr id="258" name="CustomShape 1"/>
+          <p:cNvPr id="260" name="CustomShape 1"/>
           <p:cNvSpPr/>
           <p:nvPr/>
         </p:nvSpPr>
         <p:spPr>
           <a:xfrm>
             <a:off x="434880" y="186480"/>
-            <a:ext cx="4569480" cy="577080"/>
+            <a:ext cx="4569120" cy="577080"/>
           </a:xfrm>
           <a:prstGeom prst="rect">
             <a:avLst/>
@@ -10247,14 +10269,14 @@
       </p:sp>
       <p:sp>
         <p:nvSpPr>
-          <p:cNvPr id="259" name="CustomShape 2"/>
+          <p:cNvPr id="261" name="CustomShape 2"/>
           <p:cNvSpPr/>
           <p:nvPr/>
         </p:nvSpPr>
         <p:spPr>
           <a:xfrm>
             <a:off x="74520" y="4622760"/>
-            <a:ext cx="711360" cy="363960"/>
+            <a:ext cx="711000" cy="363960"/>
           </a:xfrm>
           <a:prstGeom prst="rect">
             <a:avLst/>
@@ -10298,14 +10320,14 @@
       </p:sp>
       <p:sp>
         <p:nvSpPr>
-          <p:cNvPr id="260" name="CustomShape 3"/>
+          <p:cNvPr id="262" name="CustomShape 3"/>
           <p:cNvSpPr/>
           <p:nvPr/>
         </p:nvSpPr>
         <p:spPr>
           <a:xfrm>
             <a:off x="5558400" y="3573360"/>
-            <a:ext cx="2742840" cy="363960"/>
+            <a:ext cx="2742480" cy="363960"/>
           </a:xfrm>
           <a:prstGeom prst="rect">
             <a:avLst/>
@@ -10349,14 +10371,14 @@
       </p:sp>
       <p:sp>
         <p:nvSpPr>
-          <p:cNvPr id="261" name="CustomShape 4"/>
+          <p:cNvPr id="263" name="CustomShape 4"/>
           <p:cNvSpPr/>
           <p:nvPr/>
         </p:nvSpPr>
         <p:spPr>
           <a:xfrm>
             <a:off x="198000" y="881280"/>
-            <a:ext cx="4321080" cy="3565800"/>
+            <a:ext cx="4320720" cy="3565440"/>
           </a:xfrm>
           <a:prstGeom prst="rect">
             <a:avLst/>
@@ -10464,7 +10486,7 @@
       </p:sp>
       <p:pic>
         <p:nvPicPr>
-          <p:cNvPr id="262" name="" descr=""/>
+          <p:cNvPr id="264" name="" descr=""/>
           <p:cNvPicPr/>
           <p:nvPr/>
         </p:nvPicPr>
@@ -10475,7 +10497,7 @@
         <p:spPr>
           <a:xfrm>
             <a:off x="4754880" y="1396800"/>
-            <a:ext cx="4297320" cy="2169000"/>
+            <a:ext cx="4296960" cy="2168640"/>
           </a:xfrm>
           <a:prstGeom prst="rect">
             <a:avLst/>
@@ -10512,14 +10534,14 @@
       </p:grpSpPr>
       <p:sp>
         <p:nvSpPr>
-          <p:cNvPr id="263" name="CustomShape 1"/>
+          <p:cNvPr id="265" name="CustomShape 1"/>
           <p:cNvSpPr/>
           <p:nvPr/>
         </p:nvSpPr>
         <p:spPr>
           <a:xfrm>
             <a:off x="2502720" y="1108800"/>
-            <a:ext cx="4016880" cy="1459440"/>
+            <a:ext cx="4016520" cy="1459080"/>
           </a:xfrm>
           <a:prstGeom prst="rect">
             <a:avLst/>
@@ -10563,14 +10585,14 @@
       </p:sp>
       <p:sp>
         <p:nvSpPr>
-          <p:cNvPr id="264" name="CustomShape 2"/>
+          <p:cNvPr id="266" name="CustomShape 2"/>
           <p:cNvSpPr/>
           <p:nvPr/>
         </p:nvSpPr>
         <p:spPr>
           <a:xfrm>
             <a:off x="2562120" y="2571840"/>
-            <a:ext cx="4016880" cy="1200600"/>
+            <a:ext cx="4016520" cy="1200240"/>
           </a:xfrm>
           <a:prstGeom prst="rect">
             <a:avLst/>
@@ -10682,7 +10704,7 @@
         <p:spPr>
           <a:xfrm>
             <a:off x="720000" y="509760"/>
-            <a:ext cx="7700760" cy="569520"/>
+            <a:ext cx="7700400" cy="569160"/>
           </a:xfrm>
           <a:prstGeom prst="rect">
             <a:avLst/>
@@ -10736,7 +10758,7 @@
         <p:spPr>
           <a:xfrm>
             <a:off x="720000" y="1152360"/>
-            <a:ext cx="7700760" cy="3602880"/>
+            <a:ext cx="7700400" cy="3602520"/>
           </a:xfrm>
           <a:prstGeom prst="rect">
             <a:avLst/>
@@ -10761,7 +10783,7 @@
             <a:noAutofit/>
           </a:bodyPr>
           <a:p>
-            <a:pPr marL="457200" indent="-295200">
+            <a:pPr marL="457200" indent="-294840">
               <a:lnSpc>
                 <a:spcPct val="100000"/>
               </a:lnSpc>
@@ -10786,7 +10808,7 @@
             </a:endParaRPr>
           </a:p>
           <a:p>
-            <a:pPr marL="457200" indent="-295200">
+            <a:pPr marL="457200" indent="-294840">
               <a:lnSpc>
                 <a:spcPct val="100000"/>
               </a:lnSpc>
@@ -10811,7 +10833,7 @@
             </a:endParaRPr>
           </a:p>
           <a:p>
-            <a:pPr marL="457200" indent="-295200">
+            <a:pPr marL="457200" indent="-294840">
               <a:lnSpc>
                 <a:spcPct val="100000"/>
               </a:lnSpc>
@@ -10836,7 +10858,7 @@
             </a:endParaRPr>
           </a:p>
           <a:p>
-            <a:pPr marL="457200" indent="-295200">
+            <a:pPr marL="457200" indent="-294840">
               <a:lnSpc>
                 <a:spcPct val="100000"/>
               </a:lnSpc>
@@ -10861,7 +10883,7 @@
             </a:endParaRPr>
           </a:p>
           <a:p>
-            <a:pPr marL="457200" indent="-295200">
+            <a:pPr marL="457200" indent="-294840">
               <a:lnSpc>
                 <a:spcPct val="100000"/>
               </a:lnSpc>
@@ -10886,7 +10908,7 @@
             </a:endParaRPr>
           </a:p>
           <a:p>
-            <a:pPr marL="457200" indent="-295200">
+            <a:pPr marL="457200" indent="-294840">
               <a:lnSpc>
                 <a:spcPct val="100000"/>
               </a:lnSpc>
@@ -10911,7 +10933,7 @@
             </a:endParaRPr>
           </a:p>
           <a:p>
-            <a:pPr marL="457200" indent="-295200">
+            <a:pPr marL="457200" indent="-294840">
               <a:lnSpc>
                 <a:spcPct val="100000"/>
               </a:lnSpc>
@@ -11013,7 +11035,7 @@
         <p:spPr>
           <a:xfrm>
             <a:off x="651240" y="513360"/>
-            <a:ext cx="4090680" cy="633240"/>
+            <a:ext cx="4090320" cy="632880"/>
           </a:xfrm>
           <a:prstGeom prst="rect">
             <a:avLst/>
@@ -11081,7 +11103,7 @@
         <p:spPr>
           <a:xfrm>
             <a:off x="5819040" y="377280"/>
-            <a:ext cx="3134880" cy="2310480"/>
+            <a:ext cx="3134520" cy="2310120"/>
           </a:xfrm>
           <a:prstGeom prst="rect">
             <a:avLst/>
@@ -11107,7 +11129,7 @@
         <p:spPr>
           <a:xfrm>
             <a:off x="5819040" y="2766960"/>
-            <a:ext cx="3134880" cy="2276280"/>
+            <a:ext cx="3134520" cy="2275920"/>
           </a:xfrm>
           <a:prstGeom prst="rect">
             <a:avLst/>
@@ -11129,7 +11151,7 @@
         <p:spPr>
           <a:xfrm>
             <a:off x="219600" y="1225800"/>
-            <a:ext cx="5568840" cy="2604960"/>
+            <a:ext cx="5568480" cy="2604600"/>
           </a:xfrm>
           <a:prstGeom prst="rect">
             <a:avLst/>
@@ -11275,7 +11297,7 @@
         <p:spPr>
           <a:xfrm>
             <a:off x="74520" y="4622760"/>
-            <a:ext cx="711360" cy="363960"/>
+            <a:ext cx="711000" cy="363960"/>
           </a:xfrm>
           <a:prstGeom prst="rect">
             <a:avLst/>
@@ -11351,7 +11373,7 @@
         <p:spPr>
           <a:xfrm>
             <a:off x="637560" y="547920"/>
-            <a:ext cx="4090680" cy="633240"/>
+            <a:ext cx="4090320" cy="632880"/>
           </a:xfrm>
           <a:prstGeom prst="rect">
             <a:avLst/>
@@ -12059,7 +12081,7 @@
         <p:spPr>
           <a:xfrm>
             <a:off x="6105960" y="353160"/>
-            <a:ext cx="2224440" cy="2019600"/>
+            <a:ext cx="2224080" cy="2019240"/>
           </a:xfrm>
           <a:prstGeom prst="roundRect">
             <a:avLst>
@@ -12111,7 +12133,7 @@
         <p:spPr>
           <a:xfrm>
             <a:off x="637560" y="1183320"/>
-            <a:ext cx="4699440" cy="2712240"/>
+            <a:ext cx="4699080" cy="2711880"/>
           </a:xfrm>
           <a:prstGeom prst="rect">
             <a:avLst/>
@@ -12136,7 +12158,7 @@
             <a:noAutofit/>
           </a:bodyPr>
           <a:p>
-            <a:pPr marL="457200" indent="-301680">
+            <a:pPr marL="457200" indent="-301320">
               <a:lnSpc>
                 <a:spcPct val="100000"/>
               </a:lnSpc>
@@ -12152,14 +12174,14 @@
                 <a:latin typeface="Fira Sans Condensed Light"/>
                 <a:ea typeface="Fira Sans Condensed Light"/>
               </a:rPr>
-              <a:t>What is an RSnumebr?</a:t>
+              <a:t>What is an Rs-number?</a:t>
             </a:r>
             <a:endParaRPr b="0" lang="en-US" sz="1400" spc="-1" strike="noStrike">
               <a:latin typeface="Arial"/>
             </a:endParaRPr>
           </a:p>
           <a:p>
-            <a:pPr marL="457200" indent="-301680">
+            <a:pPr marL="457200" indent="-301320">
               <a:lnSpc>
                 <a:spcPct val="100000"/>
               </a:lnSpc>
@@ -12167,12 +12189,32 @@
                 <a:tab algn="l" pos="0"/>
               </a:tabLst>
             </a:pPr>
+            <a:r>
+              <a:rPr b="0" lang="en-US" sz="1400" spc="-1" strike="noStrike">
+                <a:solidFill>
+                  <a:srgbClr val="f3f3f3"/>
+                </a:solidFill>
+                <a:latin typeface="Fira Sans Condensed Light"/>
+                <a:ea typeface="Fira Sans Condensed Light"/>
+              </a:rPr>
+              <a:t>	</a:t>
+            </a:r>
+            <a:r>
+              <a:rPr b="0" lang="en-US" sz="1400" spc="-1" strike="noStrike">
+                <a:solidFill>
+                  <a:srgbClr val="f3f3f3"/>
+                </a:solidFill>
+                <a:latin typeface="Fira Sans Condensed Light"/>
+                <a:ea typeface="Fira Sans Condensed Light"/>
+              </a:rPr>
+              <a:t>It is a unique reference number to the gene we have that consists of two alleles (one from the father and the other from the mother).</a:t>
+            </a:r>
             <a:endParaRPr b="0" lang="en-US" sz="1400" spc="-1" strike="noStrike">
               <a:latin typeface="Arial"/>
             </a:endParaRPr>
           </a:p>
           <a:p>
-            <a:pPr marL="457200" indent="-301680">
+            <a:pPr marL="457200" indent="-301320">
               <a:lnSpc>
                 <a:spcPct val="100000"/>
               </a:lnSpc>
@@ -12180,22 +12222,12 @@
                 <a:tab algn="l" pos="0"/>
               </a:tabLst>
             </a:pPr>
-            <a:r>
-              <a:rPr b="0" lang="en-US" sz="1400" spc="-1" strike="noStrike">
-                <a:solidFill>
-                  <a:srgbClr val="f3f3f3"/>
-                </a:solidFill>
-                <a:latin typeface="Fira Sans Condensed Light"/>
-                <a:ea typeface="Fira Sans Condensed Light"/>
-              </a:rPr>
-              <a:t>It is a reference number to the gene we have that consists of two alleles (one from the father and the other from the mother).</a:t>
-            </a:r>
             <a:endParaRPr b="0" lang="en-US" sz="1400" spc="-1" strike="noStrike">
               <a:latin typeface="Arial"/>
             </a:endParaRPr>
           </a:p>
           <a:p>
-            <a:pPr marL="457200" indent="-301680">
+            <a:pPr marL="457200" indent="-301320">
               <a:lnSpc>
                 <a:spcPct val="100000"/>
               </a:lnSpc>
@@ -12203,12 +12235,35 @@
                 <a:tab algn="l" pos="0"/>
               </a:tabLst>
             </a:pPr>
+            <a:r>
+              <a:rPr b="0" lang="en-US" sz="1400" spc="-1" strike="noStrike">
+                <a:solidFill>
+                  <a:srgbClr val="dcddde"/>
+                </a:solidFill>
+                <a:latin typeface="Fira Sans Condensed Light"/>
+                <a:ea typeface="DejaVu Sans"/>
+              </a:rPr>
+              <a:t>What is an Alleles ?</a:t>
+            </a:r>
+            <a:br/>
+            <a:r>
+              <a:rPr b="0" lang="en-US" sz="1400" spc="-1" strike="noStrike">
+                <a:solidFill>
+                  <a:srgbClr val="dcddde"/>
+                </a:solidFill>
+                <a:latin typeface="Fira Sans Condensed Light"/>
+                <a:ea typeface="DejaVu Sans"/>
+              </a:rPr>
+              <a:t>It is a two characters represents the gene sequence repeats of characters one from father and another one from mother</a:t>
+            </a:r>
+            <a:br/>
+            <a:br/>
             <a:endParaRPr b="0" lang="en-US" sz="1400" spc="-1" strike="noStrike">
               <a:latin typeface="Arial"/>
             </a:endParaRPr>
           </a:p>
           <a:p>
-            <a:pPr marL="457200" indent="-301680">
+            <a:pPr marL="457200" indent="-301320">
               <a:lnSpc>
                 <a:spcPct val="100000"/>
               </a:lnSpc>
@@ -12216,36 +12271,43 @@
                 <a:tab algn="l" pos="0"/>
               </a:tabLst>
             </a:pPr>
-            <a:r>
-              <a:rPr b="0" lang="en-US" sz="1400" spc="-1" strike="noStrike">
-                <a:solidFill>
-                  <a:srgbClr val="dcddde"/>
-                </a:solidFill>
-                <a:latin typeface="Fira Sans Condensed Light"/>
-                <a:ea typeface="DejaVu Sans"/>
-              </a:rPr>
-              <a:t>What is an Alleles ?</a:t>
-            </a:r>
-            <a:br/>
-            <a:br/>
-            <a:r>
-              <a:rPr b="0" lang="en-US" sz="1400" spc="-1" strike="noStrike">
-                <a:solidFill>
-                  <a:srgbClr val="dcddde"/>
-                </a:solidFill>
-                <a:latin typeface="Fira Sans Condensed Light"/>
-                <a:ea typeface="DejaVu Sans"/>
-              </a:rPr>
-              <a:t> It is a two characters represents the gene sequence repeats of characters one from father and another one from mother</a:t>
-            </a:r>
-            <a:br/>
-            <a:br/>
             <a:endParaRPr b="0" lang="en-US" sz="1400" spc="-1" strike="noStrike">
               <a:latin typeface="Arial"/>
             </a:endParaRPr>
           </a:p>
-          <a:p>
-            <a:pPr marL="457200" indent="-301680">
+        </p:txBody>
+      </p:sp>
+      <p:sp>
+        <p:nvSpPr>
+          <p:cNvPr id="205" name="CustomShape 5"/>
+          <p:cNvSpPr/>
+          <p:nvPr/>
+        </p:nvSpPr>
+        <p:spPr>
+          <a:xfrm>
+            <a:off x="431280" y="3898800"/>
+            <a:ext cx="743760" cy="363960"/>
+          </a:xfrm>
+          <a:prstGeom prst="rect">
+            <a:avLst/>
+          </a:prstGeom>
+          <a:noFill/>
+          <a:ln>
+            <a:noFill/>
+          </a:ln>
+        </p:spPr>
+        <p:style>
+          <a:lnRef idx="0"/>
+          <a:fillRef idx="0"/>
+          <a:effectRef idx="0"/>
+          <a:fontRef idx="minor"/>
+        </p:style>
+        <p:txBody>
+          <a:bodyPr lIns="90000" rIns="90000" tIns="45000" bIns="45000">
+            <a:spAutoFit/>
+          </a:bodyPr>
+          <a:p>
+            <a:pPr marL="457200" indent="-301320">
               <a:lnSpc>
                 <a:spcPct val="100000"/>
               </a:lnSpc>
@@ -12253,50 +12315,6 @@
                 <a:tab algn="l" pos="0"/>
               </a:tabLst>
             </a:pPr>
-            <a:endParaRPr b="0" lang="en-US" sz="1400" spc="-1" strike="noStrike">
-              <a:latin typeface="Arial"/>
-            </a:endParaRPr>
-          </a:p>
-        </p:txBody>
-      </p:sp>
-      <p:sp>
-        <p:nvSpPr>
-          <p:cNvPr id="205" name="CustomShape 5"/>
-          <p:cNvSpPr/>
-          <p:nvPr/>
-        </p:nvSpPr>
-        <p:spPr>
-          <a:xfrm>
-            <a:off x="431280" y="3898800"/>
-            <a:ext cx="744120" cy="363960"/>
-          </a:xfrm>
-          <a:prstGeom prst="rect">
-            <a:avLst/>
-          </a:prstGeom>
-          <a:noFill/>
-          <a:ln>
-            <a:noFill/>
-          </a:ln>
-        </p:spPr>
-        <p:style>
-          <a:lnRef idx="0"/>
-          <a:fillRef idx="0"/>
-          <a:effectRef idx="0"/>
-          <a:fontRef idx="minor"/>
-        </p:style>
-        <p:txBody>
-          <a:bodyPr lIns="90000" rIns="90000" tIns="45000" bIns="45000">
-            <a:spAutoFit/>
-          </a:bodyPr>
-          <a:p>
-            <a:pPr marL="457200" indent="-301680">
-              <a:lnSpc>
-                <a:spcPct val="100000"/>
-              </a:lnSpc>
-              <a:tabLst>
-                <a:tab algn="l" pos="0"/>
-              </a:tabLst>
-            </a:pPr>
             <a:r>
               <a:rPr b="0" lang="en-US" sz="1800" spc="-1" strike="noStrike">
                 <a:solidFill>
@@ -12322,7 +12340,7 @@
         <p:spPr>
           <a:xfrm>
             <a:off x="74520" y="4622760"/>
-            <a:ext cx="711360" cy="363960"/>
+            <a:ext cx="711000" cy="363960"/>
           </a:xfrm>
           <a:prstGeom prst="rect">
             <a:avLst/>
@@ -12398,7 +12416,7 @@
         <p:spPr>
           <a:xfrm>
             <a:off x="665280" y="395640"/>
-            <a:ext cx="4090680" cy="633240"/>
+            <a:ext cx="4090320" cy="632880"/>
           </a:xfrm>
           <a:prstGeom prst="rect">
             <a:avLst/>
@@ -12462,7 +12480,7 @@
         <p:spPr>
           <a:xfrm>
             <a:off x="197280" y="1294920"/>
-            <a:ext cx="4190040" cy="2269440"/>
+            <a:ext cx="4189680" cy="2269080"/>
           </a:xfrm>
           <a:prstGeom prst="rect">
             <a:avLst/>
@@ -12770,7 +12788,7 @@
         <p:spPr>
           <a:xfrm>
             <a:off x="4502160" y="613440"/>
-            <a:ext cx="4578480" cy="4131720"/>
+            <a:ext cx="4578120" cy="4131360"/>
           </a:xfrm>
           <a:prstGeom prst="rect">
             <a:avLst/>
@@ -12792,7 +12810,7 @@
         <p:spPr>
           <a:xfrm>
             <a:off x="74520" y="4622760"/>
-            <a:ext cx="711360" cy="363960"/>
+            <a:ext cx="711000" cy="363960"/>
           </a:xfrm>
           <a:prstGeom prst="rect">
             <a:avLst/>
@@ -12878,7 +12896,7 @@
         <p:spPr>
           <a:xfrm>
             <a:off x="637560" y="403920"/>
-            <a:ext cx="4090680" cy="633240"/>
+            <a:ext cx="4090320" cy="632880"/>
           </a:xfrm>
           <a:prstGeom prst="rect">
             <a:avLst/>
@@ -12938,7 +12956,7 @@
         <p:spPr>
           <a:xfrm>
             <a:off x="5902200" y="271800"/>
-            <a:ext cx="2436840" cy="2436840"/>
+            <a:ext cx="2436480" cy="2436480"/>
           </a:xfrm>
           <a:prstGeom prst="rect">
             <a:avLst/>
@@ -12957,7 +12975,7 @@
         <p:spPr>
           <a:xfrm>
             <a:off x="637560" y="1188720"/>
-            <a:ext cx="4561920" cy="3247920"/>
+            <a:ext cx="4561560" cy="3247560"/>
           </a:xfrm>
           <a:prstGeom prst="rect">
             <a:avLst/>
@@ -13072,7 +13090,7 @@
         <p:spPr>
           <a:xfrm>
             <a:off x="74520" y="4622760"/>
-            <a:ext cx="711360" cy="363960"/>
+            <a:ext cx="711000" cy="363960"/>
           </a:xfrm>
           <a:prstGeom prst="rect">
             <a:avLst/>
@@ -13148,7 +13166,7 @@
         <p:spPr>
           <a:xfrm>
             <a:off x="169560" y="-8640"/>
-            <a:ext cx="4857480" cy="633240"/>
+            <a:ext cx="4857120" cy="632880"/>
           </a:xfrm>
           <a:prstGeom prst="rect">
             <a:avLst/>
@@ -13202,7 +13220,7 @@
         <p:spPr>
           <a:xfrm>
             <a:off x="74520" y="4622760"/>
-            <a:ext cx="711360" cy="363960"/>
+            <a:ext cx="711000" cy="363960"/>
           </a:xfrm>
           <a:prstGeom prst="rect">
             <a:avLst/>
@@ -13256,8 +13274,8 @@
         </p:blipFill>
         <p:spPr>
           <a:xfrm>
-            <a:off x="399600" y="625320"/>
-            <a:ext cx="8521920" cy="4311720"/>
+            <a:off x="964080" y="604080"/>
+            <a:ext cx="7772400" cy="4425120"/>
           </a:xfrm>
           <a:prstGeom prst="rect">
             <a:avLst/>
@@ -13301,7 +13319,7 @@
         <p:spPr>
           <a:xfrm>
             <a:off x="478800" y="304200"/>
-            <a:ext cx="4090680" cy="633240"/>
+            <a:ext cx="4090320" cy="632880"/>
           </a:xfrm>
           <a:prstGeom prst="rect">
             <a:avLst/>
@@ -13327,7 +13345,7 @@
         <p:spPr>
           <a:xfrm>
             <a:off x="365760" y="245880"/>
-            <a:ext cx="4569480" cy="577080"/>
+            <a:ext cx="4569120" cy="577080"/>
           </a:xfrm>
           <a:prstGeom prst="rect">
             <a:avLst/>
@@ -13378,7 +13396,7 @@
         <p:spPr>
           <a:xfrm>
             <a:off x="3445200" y="797760"/>
-            <a:ext cx="2944080" cy="964080"/>
+            <a:ext cx="2943720" cy="963720"/>
           </a:xfrm>
           <a:prstGeom prst="rect">
             <a:avLst/>
@@ -13444,7 +13462,7 @@
         <p:spPr>
           <a:xfrm>
             <a:off x="5852160" y="1762560"/>
-            <a:ext cx="913680" cy="1071360"/>
+            <a:ext cx="913320" cy="1071000"/>
           </a:xfrm>
           <a:custGeom>
             <a:avLst/>
@@ -13491,8 +13509,8 @@
         </p:nvSpPr>
         <p:spPr>
           <a:xfrm flipH="1">
-            <a:off x="2102400" y="1762560"/>
-            <a:ext cx="1736640" cy="1162800"/>
+            <a:off x="2101680" y="1762560"/>
+            <a:ext cx="1736280" cy="1162440"/>
           </a:xfrm>
           <a:custGeom>
             <a:avLst/>
@@ -13540,7 +13558,7 @@
         <p:spPr>
           <a:xfrm>
             <a:off x="578160" y="2962080"/>
-            <a:ext cx="3170160" cy="1279440"/>
+            <a:ext cx="2165040" cy="1279080"/>
           </a:xfrm>
           <a:prstGeom prst="rect">
             <a:avLst/>
@@ -13579,7 +13597,7 @@
                 <a:latin typeface="Arial"/>
                 <a:ea typeface="DejaVu Sans"/>
               </a:rPr>
-              <a:t>Apply Mendelian's Law to prove whether or not the child is related to the targeted father or not</a:t>
+              <a:t>Apply Mendelian's Law to prove paternity whether or not the child is related to the targeted father or not</a:t>
             </a:r>
             <a:endParaRPr b="0" lang="en-US" sz="1400" spc="-1" strike="noStrike">
               <a:latin typeface="Arial"/>
@@ -13595,8 +13613,8 @@
         </p:nvSpPr>
         <p:spPr>
           <a:xfrm>
-            <a:off x="5226840" y="2859480"/>
-            <a:ext cx="3656880" cy="1720800"/>
+            <a:off x="6126480" y="2859480"/>
+            <a:ext cx="2651760" cy="1529640"/>
           </a:xfrm>
           <a:prstGeom prst="rect">
             <a:avLst/>
@@ -13627,26 +13645,6 @@
                 <a:spcPct val="100000"/>
               </a:lnSpc>
             </a:pPr>
-            <a:endParaRPr b="0" lang="en-US" sz="1800" spc="-1" strike="noStrike">
-              <a:latin typeface="Arial"/>
-            </a:endParaRPr>
-          </a:p>
-          <a:p>
-            <a:pPr algn="ctr">
-              <a:lnSpc>
-                <a:spcPct val="100000"/>
-              </a:lnSpc>
-            </a:pPr>
-            <a:endParaRPr b="0" lang="en-US" sz="1800" spc="-1" strike="noStrike">
-              <a:latin typeface="Arial"/>
-            </a:endParaRPr>
-          </a:p>
-          <a:p>
-            <a:pPr algn="ctr">
-              <a:lnSpc>
-                <a:spcPct val="100000"/>
-              </a:lnSpc>
-            </a:pPr>
             <a:r>
               <a:rPr b="0" lang="en-US" sz="1200" spc="-1" strike="noStrike">
                 <a:solidFill>
@@ -13818,7 +13816,7 @@
         <p:spPr>
           <a:xfrm>
             <a:off x="5423040" y="3366360"/>
-            <a:ext cx="529200" cy="912240"/>
+            <a:ext cx="528840" cy="912240"/>
           </a:xfrm>
           <a:prstGeom prst="rect">
             <a:avLst/>
@@ -13935,7 +13933,7 @@
         <p:spPr>
           <a:xfrm>
             <a:off x="74520" y="4622760"/>
-            <a:ext cx="711360" cy="363960"/>
+            <a:ext cx="711000" cy="363960"/>
           </a:xfrm>
           <a:prstGeom prst="rect">
             <a:avLst/>
@@ -13972,6 +13970,110 @@
               <a:t>6</a:t>
             </a:r>
             <a:endParaRPr b="0" lang="en-US" sz="1800" spc="-1" strike="noStrike">
+              <a:latin typeface="Arial"/>
+            </a:endParaRPr>
+          </a:p>
+        </p:txBody>
+      </p:sp>
+      <p:sp>
+        <p:nvSpPr>
+          <p:cNvPr id="230" name="CustomShape 13"/>
+          <p:cNvSpPr/>
+          <p:nvPr/>
+        </p:nvSpPr>
+        <p:spPr>
+          <a:xfrm flipH="1">
+            <a:off x="4937760" y="1761480"/>
+            <a:ext cx="91440" cy="1165680"/>
+          </a:xfrm>
+          <a:custGeom>
+            <a:avLst/>
+            <a:gdLst/>
+            <a:ahLst/>
+            <a:rect l="l" t="t" r="r" b="b"/>
+            <a:pathLst>
+              <a:path w="21600" h="21600">
+                <a:moveTo>
+                  <a:pt x="0" y="0"/>
+                </a:moveTo>
+                <a:lnTo>
+                  <a:pt x="21600" y="21600"/>
+                </a:lnTo>
+              </a:path>
+            </a:pathLst>
+          </a:custGeom>
+          <a:noFill/>
+          <a:ln>
+            <a:solidFill>
+              <a:srgbClr val="00bead"/>
+            </a:solidFill>
+            <a:tailEnd len="med" type="triangle" w="med"/>
+          </a:ln>
+        </p:spPr>
+        <p:style>
+          <a:lnRef idx="1">
+            <a:schemeClr val="accent6"/>
+          </a:lnRef>
+          <a:fillRef idx="0">
+            <a:schemeClr val="accent6"/>
+          </a:fillRef>
+          <a:effectRef idx="0">
+            <a:schemeClr val="accent6"/>
+          </a:effectRef>
+          <a:fontRef idx="minor"/>
+        </p:style>
+      </p:sp>
+      <p:sp>
+        <p:nvSpPr>
+          <p:cNvPr id="231" name="CustomShape 14"/>
+          <p:cNvSpPr/>
+          <p:nvPr/>
+        </p:nvSpPr>
+        <p:spPr>
+          <a:xfrm>
+            <a:off x="3383280" y="2927160"/>
+            <a:ext cx="2165040" cy="1279080"/>
+          </a:xfrm>
+          <a:prstGeom prst="rect">
+            <a:avLst/>
+          </a:prstGeom>
+          <a:ln/>
+        </p:spPr>
+        <p:style>
+          <a:lnRef idx="2">
+            <a:schemeClr val="accent1">
+              <a:shade val="50000"/>
+            </a:schemeClr>
+          </a:lnRef>
+          <a:fillRef idx="1">
+            <a:schemeClr val="accent1"/>
+          </a:fillRef>
+          <a:effectRef idx="0">
+            <a:schemeClr val="accent1"/>
+          </a:effectRef>
+          <a:fontRef idx="minor"/>
+        </p:style>
+        <p:txBody>
+          <a:bodyPr lIns="90000" rIns="90000" tIns="45000" bIns="45000" anchor="ctr">
+            <a:noAutofit/>
+          </a:bodyPr>
+          <a:p>
+            <a:pPr algn="ctr">
+              <a:lnSpc>
+                <a:spcPct val="100000"/>
+              </a:lnSpc>
+            </a:pPr>
+            <a:r>
+              <a:rPr b="0" lang="en-US" sz="1400" spc="-1" strike="noStrike">
+                <a:solidFill>
+                  <a:srgbClr val="ffffff"/>
+                </a:solidFill>
+                <a:latin typeface="Arial"/>
+                <a:ea typeface="DejaVu Sans"/>
+              </a:rPr>
+              <a:t>Apply Mendelian's Law to prove if the child is related to family or not</a:t>
+            </a:r>
+            <a:endParaRPr b="0" lang="en-US" sz="1400" spc="-1" strike="noStrike">
               <a:latin typeface="Arial"/>
             </a:endParaRPr>
           </a:p>
@@ -14004,14 +14106,14 @@
       </p:grpSpPr>
       <p:sp>
         <p:nvSpPr>
-          <p:cNvPr id="230" name="CustomShape 1"/>
+          <p:cNvPr id="232" name="CustomShape 1"/>
           <p:cNvSpPr/>
           <p:nvPr/>
         </p:nvSpPr>
         <p:spPr>
           <a:xfrm>
             <a:off x="458280" y="75600"/>
-            <a:ext cx="5191920" cy="633240"/>
+            <a:ext cx="5191560" cy="632880"/>
           </a:xfrm>
           <a:prstGeom prst="rect">
             <a:avLst/>
@@ -14058,7 +14160,7 @@
       </p:sp>
       <p:pic>
         <p:nvPicPr>
-          <p:cNvPr id="231" name="Picture 4" descr=""/>
+          <p:cNvPr id="233" name="Picture 4" descr=""/>
           <p:cNvPicPr/>
           <p:nvPr/>
         </p:nvPicPr>
@@ -14069,7 +14171,7 @@
         <p:spPr>
           <a:xfrm>
             <a:off x="4489560" y="609480"/>
-            <a:ext cx="4456800" cy="3795120"/>
+            <a:ext cx="4456440" cy="3794760"/>
           </a:xfrm>
           <a:prstGeom prst="rect">
             <a:avLst/>
@@ -14081,14 +14183,14 @@
       </p:pic>
       <p:sp>
         <p:nvSpPr>
-          <p:cNvPr id="232" name="CustomShape 2"/>
+          <p:cNvPr id="234" name="CustomShape 2"/>
           <p:cNvSpPr/>
           <p:nvPr/>
         </p:nvSpPr>
         <p:spPr>
           <a:xfrm>
             <a:off x="195120" y="933480"/>
-            <a:ext cx="4090680" cy="1850760"/>
+            <a:ext cx="4090320" cy="1850400"/>
           </a:xfrm>
           <a:prstGeom prst="rect">
             <a:avLst/>
@@ -14136,14 +14238,14 @@
       </p:sp>
       <p:sp>
         <p:nvSpPr>
-          <p:cNvPr id="233" name="CustomShape 3"/>
+          <p:cNvPr id="235" name="CustomShape 3"/>
           <p:cNvSpPr/>
           <p:nvPr/>
         </p:nvSpPr>
         <p:spPr>
           <a:xfrm>
             <a:off x="74520" y="4622760"/>
-            <a:ext cx="711360" cy="363960"/>
+            <a:ext cx="711000" cy="363960"/>
           </a:xfrm>
           <a:prstGeom prst="rect">
             <a:avLst/>
